--- a/class 5/PowerPoint:18-26/ppt 1/2. Presentation/1.pptx
+++ b/class 5/PowerPoint:18-26/ppt 1/2. Presentation/1.pptx
@@ -5,16 +5,15 @@
     <p:sldMasterId id="2147483648" r:id="rId1"/>
   </p:sldMasterIdLst>
   <p:notesMasterIdLst>
-    <p:notesMasterId r:id="rId10"/>
+    <p:notesMasterId r:id="rId9"/>
   </p:notesMasterIdLst>
   <p:sldIdLst>
     <p:sldId id="256" r:id="rId3"/>
-    <p:sldId id="288" r:id="rId4"/>
-    <p:sldId id="292" r:id="rId5"/>
-    <p:sldId id="296" r:id="rId6"/>
-    <p:sldId id="294" r:id="rId7"/>
-    <p:sldId id="293" r:id="rId8"/>
-    <p:sldId id="297" r:id="rId9"/>
+    <p:sldId id="302" r:id="rId4"/>
+    <p:sldId id="311" r:id="rId5"/>
+    <p:sldId id="312" r:id="rId6"/>
+    <p:sldId id="313" r:id="rId7"/>
+    <p:sldId id="306" r:id="rId8"/>
   </p:sldIdLst>
   <p:sldSz cx="12192000" cy="6858000"/>
   <p:notesSz cx="7103745" cy="10234295"/>
@@ -3426,9 +3425,9 @@
                 <a:latin typeface="Tibetan Machine Uni" panose="01000503020000020002" charset="0"/>
                 <a:cs typeface="Tibetan Machine Uni" panose="01000503020000020002" charset="0"/>
               </a:rPr>
-              <a:t>Computer</a:t>
-            </a:r>
-            <a:endParaRPr lang="" altLang="en-US" sz="7200" b="1">
+              <a:t>MS</a:t>
+            </a:r>
+            <a:endParaRPr lang="en-US" altLang="en-US" sz="7200" b="1">
               <a:solidFill>
                 <a:srgbClr val="7030A0"/>
               </a:solidFill>
@@ -3446,6 +3445,24 @@
           </a:p>
           <a:p>
             <a:pPr algn="ctr"/>
+            <a:r>
+              <a:rPr lang="en-US" altLang="en-US" sz="7200" b="1">
+                <a:solidFill>
+                  <a:srgbClr val="002060"/>
+                </a:solidFill>
+                <a:effectLst>
+                  <a:outerShdw blurRad="38100" dist="19050" dir="2700000" algn="tl" rotWithShape="0">
+                    <a:schemeClr val="dk1">
+                      <a:alpha val="40000"/>
+                    </a:schemeClr>
+                  </a:outerShdw>
+                </a:effectLst>
+                <a:uFillTx/>
+                <a:latin typeface="Tibetan Machine Uni" panose="01000503020000020002" charset="0"/>
+                <a:cs typeface="Tibetan Machine Uni" panose="01000503020000020002" charset="0"/>
+              </a:rPr>
+              <a:t>P</a:t>
+            </a:r>
             <a:r>
               <a:rPr lang="" altLang="en-US" sz="7200" b="1">
                 <a:solidFill>
@@ -3462,7 +3479,7 @@
                 <a:latin typeface="Tibetan Machine Uni" panose="01000503020000020002" charset="0"/>
                 <a:cs typeface="Tibetan Machine Uni" panose="01000503020000020002" charset="0"/>
               </a:rPr>
-              <a:t>Hardware</a:t>
+              <a:t>owerPoint</a:t>
             </a:r>
             <a:endParaRPr lang="" altLang="en-US" sz="7200" b="1">
               <a:solidFill>
@@ -3601,7 +3618,24 @@
               </a:rPr>
               <a:t> lab 1</a:t>
             </a:r>
-            <a:endParaRPr lang="en-US" altLang="en-US" sz="4800" b="1">
+            <a:r>
+              <a:rPr lang="" altLang="en-US" sz="4800" b="1">
+                <a:solidFill>
+                  <a:schemeClr val="tx1"/>
+                </a:solidFill>
+                <a:effectLst>
+                  <a:outerShdw blurRad="38100" dist="19050" dir="2700000" algn="tl" rotWithShape="0">
+                    <a:schemeClr val="dk1">
+                      <a:alpha val="40000"/>
+                    </a:schemeClr>
+                  </a:outerShdw>
+                </a:effectLst>
+                <a:latin typeface="Purisa" panose="02000603000000000000" charset="0"/>
+                <a:cs typeface="Purisa" panose="02000603000000000000" charset="0"/>
+              </a:rPr>
+              <a:t>8</a:t>
+            </a:r>
+            <a:endParaRPr lang="" altLang="en-US" sz="4800" b="1">
               <a:solidFill>
                 <a:schemeClr val="tx1"/>
               </a:solidFill>
@@ -3634,8 +3668,8 @@
         </p:blipFill>
         <p:spPr>
           <a:xfrm>
-            <a:off x="9261475" y="311150"/>
-            <a:ext cx="2600325" cy="1682115"/>
+            <a:off x="9185910" y="438785"/>
+            <a:ext cx="2804795" cy="2524760"/>
           </a:xfrm>
           <a:prstGeom prst="rect">
             <a:avLst/>
@@ -3718,9 +3752,74 @@
           </a:prstGeom>
         </p:spPr>
       </p:pic>
+      <p:sp>
+        <p:nvSpPr>
+          <p:cNvPr id="100" name="Text Box 99"/>
+          <p:cNvSpPr txBox="1"/>
+          <p:nvPr/>
+        </p:nvSpPr>
+        <p:spPr>
+          <a:xfrm>
+            <a:off x="1860550" y="353695"/>
+            <a:ext cx="10375265" cy="922020"/>
+          </a:xfrm>
+          <a:prstGeom prst="rect">
+            <a:avLst/>
+          </a:prstGeom>
+          <a:noFill/>
+          <a:ln w="9525">
+            <a:noFill/>
+          </a:ln>
+        </p:spPr>
+        <p:txBody>
+          <a:bodyPr wrap="square">
+            <a:spAutoFit/>
+          </a:bodyPr>
+          <a:p>
+            <a:pPr indent="0"/>
+            <a:r>
+              <a:rPr lang="en-US" altLang="en-US" sz="5400" b="1">
+                <a:solidFill>
+                  <a:srgbClr val="E29038"/>
+                </a:solidFill>
+                <a:latin typeface="Calibri" charset="0"/>
+                <a:cs typeface="SimSun" charset="0"/>
+              </a:rPr>
+              <a:t>What </a:t>
+            </a:r>
+            <a:r>
+              <a:rPr lang="en-US" altLang="en-US" sz="5400" b="1">
+                <a:solidFill>
+                  <a:srgbClr val="00B050"/>
+                </a:solidFill>
+                <a:latin typeface="Calibri" charset="0"/>
+                <a:cs typeface="SimSun" charset="0"/>
+              </a:rPr>
+              <a:t>is </a:t>
+            </a:r>
+            <a:r>
+              <a:rPr lang="en-US" altLang="en-US" sz="5400" b="1">
+                <a:solidFill>
+                  <a:srgbClr val="002060"/>
+                </a:solidFill>
+                <a:latin typeface="Calibri" charset="0"/>
+                <a:cs typeface="SimSun" charset="0"/>
+              </a:rPr>
+              <a:t>PowerPoint?</a:t>
+            </a:r>
+            <a:endParaRPr lang="en-US" altLang="en-US" sz="5400" b="1">
+              <a:solidFill>
+                <a:srgbClr val="002060"/>
+              </a:solidFill>
+              <a:latin typeface="Calibri" charset="0"/>
+              <a:cs typeface="SimSun" charset="0"/>
+            </a:endParaRPr>
+          </a:p>
+        </p:txBody>
+      </p:sp>
       <p:pic>
         <p:nvPicPr>
-          <p:cNvPr id="3" name="Picture 2"/>
+          <p:cNvPr id="4" name="Picture 1" descr="IMG_256"/>
           <p:cNvPicPr>
             <a:picLocks noChangeAspect="1"/>
           </p:cNvPicPr>
@@ -3734,24 +3833,8 @@
         </p:blipFill>
         <p:spPr>
           <a:xfrm>
-            <a:off x="331470" y="381635"/>
-            <a:ext cx="1427480" cy="923925"/>
-          </a:xfrm>
-          <a:prstGeom prst="rect">
-            <a:avLst/>
-          </a:prstGeom>
-        </p:spPr>
-      </p:pic>
-      <p:sp>
-        <p:nvSpPr>
-          <p:cNvPr id="100" name="Text Box 99"/>
-          <p:cNvSpPr txBox="1"/>
-          <p:nvPr/>
-        </p:nvSpPr>
-        <p:spPr>
-          <a:xfrm>
-            <a:off x="1860550" y="353695"/>
-            <a:ext cx="10375265" cy="922020"/>
+            <a:off x="546735" y="435293"/>
+            <a:ext cx="773430" cy="758825"/>
           </a:xfrm>
           <a:prstGeom prst="rect">
             <a:avLst/>
@@ -3761,74 +3844,17 @@
             <a:noFill/>
           </a:ln>
         </p:spPr>
-        <p:txBody>
-          <a:bodyPr wrap="square">
-            <a:spAutoFit/>
-          </a:bodyPr>
-          <a:p>
-            <a:pPr marL="0" indent="0"/>
-            <a:r>
-              <a:rPr lang="en-US" sz="5400" b="1">
-                <a:solidFill>
-                  <a:srgbClr val="E29038"/>
-                </a:solidFill>
-                <a:latin typeface="Calibri" charset="0"/>
-                <a:cs typeface="SimSun" charset="0"/>
-              </a:rPr>
-              <a:t>Computer </a:t>
-            </a:r>
-            <a:r>
-              <a:rPr lang="" altLang="en-US" sz="5400" b="1">
-                <a:solidFill>
-                  <a:srgbClr val="00B050"/>
-                </a:solidFill>
-                <a:latin typeface="Calibri" charset="0"/>
-                <a:cs typeface="SimSun" charset="0"/>
-              </a:rPr>
-              <a:t>System</a:t>
-            </a:r>
-            <a:endParaRPr lang="" altLang="en-US" sz="5400" b="1">
-              <a:solidFill>
-                <a:srgbClr val="00B050"/>
-              </a:solidFill>
-              <a:latin typeface="Calibri" charset="0"/>
-              <a:cs typeface="SimSun" charset="0"/>
-            </a:endParaRPr>
-          </a:p>
-        </p:txBody>
-      </p:sp>
-      <p:pic>
-        <p:nvPicPr>
-          <p:cNvPr id="4" name="Picture 2" descr="IMG_256"/>
-          <p:cNvPicPr>
-            <a:picLocks noChangeAspect="1"/>
-          </p:cNvPicPr>
+      </p:pic>
+      <p:sp>
+        <p:nvSpPr>
+          <p:cNvPr id="2" name="Text Box 1"/>
+          <p:cNvSpPr txBox="1"/>
           <p:nvPr/>
-        </p:nvPicPr>
-        <p:blipFill>
-          <a:blip r:embed="rId5">
-            <a:clrChange>
-              <a:clrFrom>
-                <a:srgbClr val="FFFFFF">
-                  <a:alpha val="100000"/>
-                </a:srgbClr>
-              </a:clrFrom>
-              <a:clrTo>
-                <a:srgbClr val="FFFFFF">
-                  <a:alpha val="100000"/>
-                  <a:alpha val="0"/>
-                </a:srgbClr>
-              </a:clrTo>
-            </a:clrChange>
-          </a:blip>
-          <a:stretch>
-            <a:fillRect/>
-          </a:stretch>
-        </p:blipFill>
-        <p:spPr>
-          <a:xfrm>
-            <a:off x="2613660" y="1635125"/>
-            <a:ext cx="6221095" cy="4606290"/>
+        </p:nvSpPr>
+        <p:spPr>
+          <a:xfrm>
+            <a:off x="636905" y="2921000"/>
+            <a:ext cx="3578860" cy="1322070"/>
           </a:xfrm>
           <a:prstGeom prst="rect">
             <a:avLst/>
@@ -3837,6 +3863,49 @@
           <a:ln w="9525">
             <a:noFill/>
           </a:ln>
+        </p:spPr>
+        <p:txBody>
+          <a:bodyPr wrap="square">
+            <a:spAutoFit/>
+          </a:bodyPr>
+          <a:p>
+            <a:pPr marL="0" indent="0"/>
+            <a:r>
+              <a:rPr lang="en-US" sz="2000" b="0">
+                <a:latin typeface="Calibri" charset="0"/>
+                <a:cs typeface="SimSun" charset="0"/>
+              </a:rPr>
+              <a:t>a slide show presentation program that's part of the Microsoft office suite of tools</a:t>
+            </a:r>
+            <a:endParaRPr lang="en-US" sz="2000" b="0">
+              <a:latin typeface="Calibri" charset="0"/>
+              <a:cs typeface="SimSun" charset="0"/>
+            </a:endParaRPr>
+          </a:p>
+        </p:txBody>
+      </p:sp>
+      <p:pic>
+        <p:nvPicPr>
+          <p:cNvPr id="9" name="Picture 8"/>
+          <p:cNvPicPr>
+            <a:picLocks noChangeAspect="1"/>
+          </p:cNvPicPr>
+          <p:nvPr/>
+        </p:nvPicPr>
+        <p:blipFill>
+          <a:blip r:embed="rId5"/>
+          <a:stretch>
+            <a:fillRect/>
+          </a:stretch>
+        </p:blipFill>
+        <p:spPr>
+          <a:xfrm>
+            <a:off x="4215765" y="1579880"/>
+            <a:ext cx="7221220" cy="4362450"/>
+          </a:xfrm>
+          <a:prstGeom prst="rect">
+            <a:avLst/>
+          </a:prstGeom>
         </p:spPr>
       </p:pic>
     </p:spTree>
@@ -3914,9 +3983,64 @@
           </a:prstGeom>
         </p:spPr>
       </p:pic>
+      <p:sp>
+        <p:nvSpPr>
+          <p:cNvPr id="100" name="Text Box 99"/>
+          <p:cNvSpPr txBox="1"/>
+          <p:nvPr/>
+        </p:nvSpPr>
+        <p:spPr>
+          <a:xfrm>
+            <a:off x="1860550" y="353695"/>
+            <a:ext cx="10375265" cy="922020"/>
+          </a:xfrm>
+          <a:prstGeom prst="rect">
+            <a:avLst/>
+          </a:prstGeom>
+          <a:noFill/>
+          <a:ln w="9525">
+            <a:noFill/>
+          </a:ln>
+        </p:spPr>
+        <p:txBody>
+          <a:bodyPr wrap="square">
+            <a:spAutoFit/>
+          </a:bodyPr>
+          <a:p>
+            <a:pPr indent="0"/>
+            <a:r>
+              <a:rPr lang="en-US" altLang="en-US" sz="5400" b="1">
+                <a:solidFill>
+                  <a:srgbClr val="E29038"/>
+                </a:solidFill>
+                <a:latin typeface="Calibri" charset="0"/>
+                <a:cs typeface="SimSun" charset="0"/>
+              </a:rPr>
+              <a:t>PowerPoint </a:t>
+            </a:r>
+            <a:r>
+              <a:rPr lang="en-US" altLang="en-US" sz="5400" b="1">
+                <a:solidFill>
+                  <a:srgbClr val="00B050"/>
+                </a:solidFill>
+                <a:latin typeface="Calibri" charset="0"/>
+                <a:cs typeface="SimSun" charset="0"/>
+              </a:rPr>
+              <a:t>Template </a:t>
+            </a:r>
+            <a:endParaRPr lang="en-US" altLang="en-US" sz="5400" b="1">
+              <a:solidFill>
+                <a:srgbClr val="00B050"/>
+              </a:solidFill>
+              <a:latin typeface="Calibri" charset="0"/>
+              <a:cs typeface="SimSun" charset="0"/>
+            </a:endParaRPr>
+          </a:p>
+        </p:txBody>
+      </p:sp>
       <p:pic>
         <p:nvPicPr>
-          <p:cNvPr id="3" name="Picture 2"/>
+          <p:cNvPr id="4" name="Picture 1" descr="IMG_256"/>
           <p:cNvPicPr>
             <a:picLocks noChangeAspect="1"/>
           </p:cNvPicPr>
@@ -3930,24 +4054,8 @@
         </p:blipFill>
         <p:spPr>
           <a:xfrm>
-            <a:off x="331470" y="381635"/>
-            <a:ext cx="1427480" cy="923925"/>
-          </a:xfrm>
-          <a:prstGeom prst="rect">
-            <a:avLst/>
-          </a:prstGeom>
-        </p:spPr>
-      </p:pic>
-      <p:sp>
-        <p:nvSpPr>
-          <p:cNvPr id="100" name="Text Box 99"/>
-          <p:cNvSpPr txBox="1"/>
-          <p:nvPr/>
-        </p:nvSpPr>
-        <p:spPr>
-          <a:xfrm>
-            <a:off x="1860550" y="353695"/>
-            <a:ext cx="10375265" cy="922020"/>
+            <a:off x="546735" y="435293"/>
+            <a:ext cx="773430" cy="758825"/>
           </a:xfrm>
           <a:prstGeom prst="rect">
             <a:avLst/>
@@ -3957,42 +4065,7 @@
             <a:noFill/>
           </a:ln>
         </p:spPr>
-        <p:txBody>
-          <a:bodyPr wrap="square">
-            <a:spAutoFit/>
-          </a:bodyPr>
-          <a:p>
-            <a:pPr indent="0"/>
-            <a:r>
-              <a:rPr lang="en-US" sz="5400" b="1">
-                <a:solidFill>
-                  <a:srgbClr val="E29038"/>
-                </a:solidFill>
-                <a:latin typeface="Calibri" charset="0"/>
-                <a:cs typeface="SimSun" charset="0"/>
-              </a:rPr>
-              <a:t>Computer </a:t>
-            </a:r>
-            <a:r>
-              <a:rPr lang="en-US" altLang="en-US" sz="5400" b="1">
-                <a:solidFill>
-                  <a:srgbClr val="00B050"/>
-                </a:solidFill>
-                <a:latin typeface="Calibri" charset="0"/>
-                <a:cs typeface="SimSun" charset="0"/>
-              </a:rPr>
-              <a:t>Processor</a:t>
-            </a:r>
-            <a:endParaRPr lang="en-US" altLang="en-US" sz="5400" b="1">
-              <a:solidFill>
-                <a:srgbClr val="00B050"/>
-              </a:solidFill>
-              <a:latin typeface="Calibri" charset="0"/>
-              <a:cs typeface="SimSun" charset="0"/>
-            </a:endParaRPr>
-          </a:p>
-        </p:txBody>
-      </p:sp>
+      </p:pic>
       <p:sp>
         <p:nvSpPr>
           <p:cNvPr id="2" name="Text Box 1"/>
@@ -4001,8 +4074,8 @@
         </p:nvSpPr>
         <p:spPr>
           <a:xfrm>
-            <a:off x="459740" y="2451100"/>
-            <a:ext cx="5036185" cy="1383665"/>
+            <a:off x="636905" y="2921000"/>
+            <a:ext cx="3578860" cy="1938020"/>
           </a:xfrm>
           <a:prstGeom prst="rect">
             <a:avLst/>
@@ -4019,55 +4092,13 @@
           <a:p>
             <a:pPr marL="0" indent="0"/>
             <a:r>
-              <a:rPr lang="en-US" sz="2800" b="0">
+              <a:rPr lang="en-US" sz="2400" b="0">
                 <a:latin typeface="Calibri" charset="0"/>
                 <a:cs typeface="SimSun" charset="0"/>
               </a:rPr>
-              <a:t>a small chip </a:t>
-            </a:r>
-            <a:r>
-              <a:rPr lang="" altLang="en-US" sz="2800" b="0">
-                <a:latin typeface="Calibri" charset="0"/>
-                <a:cs typeface="SimSun" charset="0"/>
-              </a:rPr>
-              <a:t>that </a:t>
-            </a:r>
-            <a:r>
-              <a:rPr lang="en-US" sz="2800" b="0">
-                <a:latin typeface="Calibri" charset="0"/>
-                <a:cs typeface="SimSun" charset="0"/>
-              </a:rPr>
-              <a:t>receive</a:t>
-            </a:r>
-            <a:r>
-              <a:rPr lang="" altLang="en-US" sz="2800" b="0">
-                <a:latin typeface="Calibri" charset="0"/>
-                <a:cs typeface="SimSun" charset="0"/>
-              </a:rPr>
-              <a:t>s</a:t>
-            </a:r>
-            <a:r>
-              <a:rPr lang="en-US" sz="2800" b="0">
-                <a:latin typeface="Calibri" charset="0"/>
-                <a:cs typeface="SimSun" charset="0"/>
-              </a:rPr>
-              <a:t> input and provide</a:t>
-            </a:r>
-            <a:r>
-              <a:rPr lang="" altLang="en-US" sz="2800" b="0">
-                <a:latin typeface="Calibri" charset="0"/>
-                <a:cs typeface="SimSun" charset="0"/>
-              </a:rPr>
-              <a:t>s</a:t>
-            </a:r>
-            <a:r>
-              <a:rPr lang="en-US" sz="2800" b="0">
-                <a:latin typeface="Calibri" charset="0"/>
-                <a:cs typeface="SimSun" charset="0"/>
-              </a:rPr>
-              <a:t> the appropriate output</a:t>
-            </a:r>
-            <a:endParaRPr lang="en-US" sz="2800" b="0">
+              <a:t>A template defines the background, font styles, colour and sizes for your placeholders</a:t>
+            </a:r>
+            <a:endParaRPr lang="en-US" sz="2400" b="0">
               <a:latin typeface="Calibri" charset="0"/>
               <a:cs typeface="SimSun" charset="0"/>
             </a:endParaRPr>
@@ -4076,36 +4107,22 @@
       </p:sp>
       <p:pic>
         <p:nvPicPr>
-          <p:cNvPr id="7" name="Picture 5" descr="IMG_256"/>
+          <p:cNvPr id="8" name="Picture 5" descr="IMG_256"/>
           <p:cNvPicPr>
             <a:picLocks noChangeAspect="1"/>
           </p:cNvPicPr>
           <p:nvPr/>
         </p:nvPicPr>
         <p:blipFill>
-          <a:blip r:embed="rId5">
-            <a:clrChange>
-              <a:clrFrom>
-                <a:srgbClr val="FFFFFF">
-                  <a:alpha val="100000"/>
-                </a:srgbClr>
-              </a:clrFrom>
-              <a:clrTo>
-                <a:srgbClr val="FFFFFF">
-                  <a:alpha val="100000"/>
-                  <a:alpha val="0"/>
-                </a:srgbClr>
-              </a:clrTo>
-            </a:clrChange>
-          </a:blip>
+          <a:blip r:embed="rId5"/>
           <a:stretch>
             <a:fillRect/>
           </a:stretch>
         </p:blipFill>
         <p:spPr>
           <a:xfrm>
-            <a:off x="5821045" y="1955165"/>
-            <a:ext cx="4387850" cy="3426460"/>
+            <a:off x="5777230" y="1792288"/>
+            <a:ext cx="5869940" cy="4072255"/>
           </a:xfrm>
           <a:prstGeom prst="rect">
             <a:avLst/>
@@ -4191,9 +4208,74 @@
           </a:prstGeom>
         </p:spPr>
       </p:pic>
+      <p:sp>
+        <p:nvSpPr>
+          <p:cNvPr id="100" name="Text Box 99"/>
+          <p:cNvSpPr txBox="1"/>
+          <p:nvPr/>
+        </p:nvSpPr>
+        <p:spPr>
+          <a:xfrm>
+            <a:off x="1860550" y="353695"/>
+            <a:ext cx="10375265" cy="922020"/>
+          </a:xfrm>
+          <a:prstGeom prst="rect">
+            <a:avLst/>
+          </a:prstGeom>
+          <a:noFill/>
+          <a:ln w="9525">
+            <a:noFill/>
+          </a:ln>
+        </p:spPr>
+        <p:txBody>
+          <a:bodyPr wrap="square">
+            <a:spAutoFit/>
+          </a:bodyPr>
+          <a:p>
+            <a:pPr indent="0"/>
+            <a:r>
+              <a:rPr lang="en-US" altLang="en-US" sz="5400" b="1">
+                <a:solidFill>
+                  <a:srgbClr val="E29038"/>
+                </a:solidFill>
+                <a:latin typeface="Calibri" charset="0"/>
+                <a:cs typeface="SimSun" charset="0"/>
+              </a:rPr>
+              <a:t>Open </a:t>
+            </a:r>
+            <a:r>
+              <a:rPr lang="" altLang="en-US" sz="5400" b="1">
+                <a:solidFill>
+                  <a:srgbClr val="00B050"/>
+                </a:solidFill>
+                <a:latin typeface="Calibri" charset="0"/>
+                <a:cs typeface="SimSun" charset="0"/>
+              </a:rPr>
+              <a:t>a </a:t>
+            </a:r>
+            <a:r>
+              <a:rPr lang="en-US" altLang="en-US" sz="5400" b="1">
+                <a:solidFill>
+                  <a:srgbClr val="002060"/>
+                </a:solidFill>
+                <a:latin typeface="Calibri" charset="0"/>
+                <a:cs typeface="SimSun" charset="0"/>
+              </a:rPr>
+              <a:t>File</a:t>
+            </a:r>
+            <a:endParaRPr lang="en-US" altLang="en-US" sz="5400" b="1">
+              <a:solidFill>
+                <a:srgbClr val="002060"/>
+              </a:solidFill>
+              <a:latin typeface="Calibri" charset="0"/>
+              <a:cs typeface="SimSun" charset="0"/>
+            </a:endParaRPr>
+          </a:p>
+        </p:txBody>
+      </p:sp>
       <p:pic>
         <p:nvPicPr>
-          <p:cNvPr id="3" name="Picture 2"/>
+          <p:cNvPr id="4" name="Picture 1" descr="IMG_256"/>
           <p:cNvPicPr>
             <a:picLocks noChangeAspect="1"/>
           </p:cNvPicPr>
@@ -4207,24 +4289,8 @@
         </p:blipFill>
         <p:spPr>
           <a:xfrm>
-            <a:off x="331470" y="381635"/>
-            <a:ext cx="1427480" cy="923925"/>
-          </a:xfrm>
-          <a:prstGeom prst="rect">
-            <a:avLst/>
-          </a:prstGeom>
-        </p:spPr>
-      </p:pic>
-      <p:sp>
-        <p:nvSpPr>
-          <p:cNvPr id="100" name="Text Box 99"/>
-          <p:cNvSpPr txBox="1"/>
-          <p:nvPr/>
-        </p:nvSpPr>
-        <p:spPr>
-          <a:xfrm>
-            <a:off x="1860550" y="353695"/>
-            <a:ext cx="10375265" cy="922020"/>
+            <a:off x="546735" y="435293"/>
+            <a:ext cx="773430" cy="758825"/>
           </a:xfrm>
           <a:prstGeom prst="rect">
             <a:avLst/>
@@ -4234,75 +4300,17 @@
             <a:noFill/>
           </a:ln>
         </p:spPr>
-        <p:txBody>
-          <a:bodyPr wrap="square">
-            <a:spAutoFit/>
-          </a:bodyPr>
-          <a:p>
-            <a:pPr indent="0"/>
-            <a:r>
-              <a:rPr lang="en-US" sz="5400" b="1">
-                <a:solidFill>
-                  <a:srgbClr val="E29038"/>
-                </a:solidFill>
-                <a:latin typeface="Calibri" charset="0"/>
-                <a:cs typeface="SimSun" charset="0"/>
-              </a:rPr>
-              <a:t>Computer </a:t>
-            </a:r>
-            <a:r>
-              <a:rPr lang="en-US" altLang="en-US" sz="5400" b="1">
-                <a:solidFill>
-                  <a:srgbClr val="00B050"/>
-                </a:solidFill>
-                <a:latin typeface="Calibri" charset="0"/>
-                <a:cs typeface="SimSun" charset="0"/>
-              </a:rPr>
-              <a:t>Architecture</a:t>
-            </a:r>
-            <a:endParaRPr lang="en-US" altLang="en-US" sz="5400" b="1">
-              <a:solidFill>
-                <a:srgbClr val="00B050"/>
-              </a:solidFill>
-              <a:latin typeface="Calibri" charset="0"/>
-              <a:cs typeface="SimSun" charset="0"/>
-            </a:endParaRPr>
-          </a:p>
-        </p:txBody>
-      </p:sp>
-      <p:pic>
-        <p:nvPicPr>
-          <p:cNvPr id="9" name="Picture 2" descr="IMG_256"/>
-          <p:cNvPicPr>
-            <a:picLocks noChangeAspect="1"/>
-          </p:cNvPicPr>
+      </p:pic>
+      <p:sp>
+        <p:nvSpPr>
+          <p:cNvPr id="2" name="Text Box 1"/>
+          <p:cNvSpPr txBox="1"/>
           <p:nvPr/>
-        </p:nvPicPr>
-        <p:blipFill>
-          <a:blip r:embed="rId5">
-            <a:clrChange>
-              <a:clrFrom>
-                <a:srgbClr val="FFFFFF">
-                  <a:alpha val="100000"/>
-                </a:srgbClr>
-              </a:clrFrom>
-              <a:clrTo>
-                <a:srgbClr val="FFFFFF">
-                  <a:alpha val="100000"/>
-                  <a:alpha val="0"/>
-                </a:srgbClr>
-              </a:clrTo>
-            </a:clrChange>
-            <a:lum bright="-6000"/>
-          </a:blip>
-          <a:stretch>
-            <a:fillRect/>
-          </a:stretch>
-        </p:blipFill>
-        <p:spPr>
-          <a:xfrm>
-            <a:off x="4330700" y="1398905"/>
-            <a:ext cx="6965950" cy="4879340"/>
+        </p:nvSpPr>
+        <p:spPr>
+          <a:xfrm>
+            <a:off x="636905" y="2921000"/>
+            <a:ext cx="3578860" cy="1938020"/>
           </a:xfrm>
           <a:prstGeom prst="rect">
             <a:avLst/>
@@ -4312,17 +4320,44 @@
             <a:noFill/>
           </a:ln>
         </p:spPr>
-      </p:pic>
-      <p:sp>
-        <p:nvSpPr>
-          <p:cNvPr id="2" name="Text Box 1"/>
-          <p:cNvSpPr txBox="1"/>
+        <p:txBody>
+          <a:bodyPr wrap="square">
+            <a:spAutoFit/>
+          </a:bodyPr>
+          <a:p>
+            <a:pPr marL="0" indent="0"/>
+            <a:r>
+              <a:rPr lang="en-US" sz="2000" b="0">
+                <a:latin typeface="Calibri" charset="0"/>
+                <a:cs typeface="SimSun" charset="0"/>
+              </a:rPr>
+              <a:t>File tab &gt; Open. The usual Open file dialogue box that you may already be familiar with opens and you use this to locate your presentation</a:t>
+            </a:r>
+            <a:endParaRPr lang="en-US" sz="2000" b="0">
+              <a:latin typeface="Calibri" charset="0"/>
+              <a:cs typeface="SimSun" charset="0"/>
+            </a:endParaRPr>
+          </a:p>
+        </p:txBody>
+      </p:sp>
+      <p:pic>
+        <p:nvPicPr>
+          <p:cNvPr id="3" name="Picture 2" descr="IMG_256"/>
+          <p:cNvPicPr>
+            <a:picLocks noChangeAspect="1"/>
+          </p:cNvPicPr>
           <p:nvPr/>
-        </p:nvSpPr>
-        <p:spPr>
-          <a:xfrm>
-            <a:off x="582930" y="2748280"/>
-            <a:ext cx="3362960" cy="1938020"/>
+        </p:nvPicPr>
+        <p:blipFill>
+          <a:blip r:embed="rId5"/>
+          <a:stretch>
+            <a:fillRect/>
+          </a:stretch>
+        </p:blipFill>
+        <p:spPr>
+          <a:xfrm>
+            <a:off x="4774565" y="1610995"/>
+            <a:ext cx="6482080" cy="4116070"/>
           </a:xfrm>
           <a:prstGeom prst="rect">
             <a:avLst/>
@@ -4332,33 +4367,7 @@
             <a:noFill/>
           </a:ln>
         </p:spPr>
-        <p:txBody>
-          <a:bodyPr wrap="square">
-            <a:spAutoFit/>
-          </a:bodyPr>
-          <a:p>
-            <a:pPr marL="0" indent="0"/>
-            <a:r>
-              <a:rPr lang="en-US" altLang="en-US" sz="2400" b="0">
-                <a:latin typeface="Calibri" charset="0"/>
-                <a:cs typeface="SimSun" charset="0"/>
-              </a:rPr>
-              <a:t>It </a:t>
-            </a:r>
-            <a:r>
-              <a:rPr lang="en-US" sz="2400" b="0">
-                <a:latin typeface="Calibri" charset="0"/>
-                <a:cs typeface="SimSun" charset="0"/>
-              </a:rPr>
-              <a:t>refers to how a computer system is designed and what technologies it is compatible with</a:t>
-            </a:r>
-            <a:endParaRPr lang="en-US" sz="2400" b="0">
-              <a:latin typeface="Calibri" charset="0"/>
-              <a:cs typeface="SimSun" charset="0"/>
-            </a:endParaRPr>
-          </a:p>
-        </p:txBody>
-      </p:sp>
+      </p:pic>
     </p:spTree>
   </p:cSld>
   <p:clrMapOvr>
@@ -4434,9 +4443,74 @@
           </a:prstGeom>
         </p:spPr>
       </p:pic>
+      <p:sp>
+        <p:nvSpPr>
+          <p:cNvPr id="100" name="Text Box 99"/>
+          <p:cNvSpPr txBox="1"/>
+          <p:nvPr/>
+        </p:nvSpPr>
+        <p:spPr>
+          <a:xfrm>
+            <a:off x="1860550" y="353695"/>
+            <a:ext cx="10375265" cy="922020"/>
+          </a:xfrm>
+          <a:prstGeom prst="rect">
+            <a:avLst/>
+          </a:prstGeom>
+          <a:noFill/>
+          <a:ln w="9525">
+            <a:noFill/>
+          </a:ln>
+        </p:spPr>
+        <p:txBody>
+          <a:bodyPr wrap="square">
+            <a:spAutoFit/>
+          </a:bodyPr>
+          <a:p>
+            <a:pPr indent="0"/>
+            <a:r>
+              <a:rPr lang="en-US" altLang="en-US" sz="5400" b="1">
+                <a:solidFill>
+                  <a:srgbClr val="E29038"/>
+                </a:solidFill>
+                <a:latin typeface="Calibri" charset="0"/>
+                <a:cs typeface="SimSun" charset="0"/>
+              </a:rPr>
+              <a:t>Open </a:t>
+            </a:r>
+            <a:r>
+              <a:rPr lang="" altLang="en-US" sz="5400" b="1">
+                <a:solidFill>
+                  <a:srgbClr val="00B050"/>
+                </a:solidFill>
+                <a:latin typeface="Calibri" charset="0"/>
+                <a:cs typeface="SimSun" charset="0"/>
+              </a:rPr>
+              <a:t>New </a:t>
+            </a:r>
+            <a:r>
+              <a:rPr lang="" altLang="en-US" sz="5400" b="1">
+                <a:solidFill>
+                  <a:srgbClr val="002060"/>
+                </a:solidFill>
+                <a:latin typeface="Calibri" charset="0"/>
+                <a:cs typeface="SimSun" charset="0"/>
+              </a:rPr>
+              <a:t>Slide</a:t>
+            </a:r>
+            <a:endParaRPr lang="" altLang="en-US" sz="5400" b="1">
+              <a:solidFill>
+                <a:srgbClr val="002060"/>
+              </a:solidFill>
+              <a:latin typeface="Calibri" charset="0"/>
+              <a:cs typeface="SimSun" charset="0"/>
+            </a:endParaRPr>
+          </a:p>
+        </p:txBody>
+      </p:sp>
       <p:pic>
         <p:nvPicPr>
-          <p:cNvPr id="3" name="Picture 2"/>
+          <p:cNvPr id="4" name="Picture 1" descr="IMG_256"/>
           <p:cNvPicPr>
             <a:picLocks noChangeAspect="1"/>
           </p:cNvPicPr>
@@ -4450,24 +4524,8 @@
         </p:blipFill>
         <p:spPr>
           <a:xfrm>
-            <a:off x="331470" y="381635"/>
-            <a:ext cx="1427480" cy="923925"/>
-          </a:xfrm>
-          <a:prstGeom prst="rect">
-            <a:avLst/>
-          </a:prstGeom>
-        </p:spPr>
-      </p:pic>
-      <p:sp>
-        <p:nvSpPr>
-          <p:cNvPr id="100" name="Text Box 99"/>
-          <p:cNvSpPr txBox="1"/>
-          <p:nvPr/>
-        </p:nvSpPr>
-        <p:spPr>
-          <a:xfrm>
-            <a:off x="1860550" y="353695"/>
-            <a:ext cx="10375265" cy="922020"/>
+            <a:off x="546735" y="435293"/>
+            <a:ext cx="773430" cy="758825"/>
           </a:xfrm>
           <a:prstGeom prst="rect">
             <a:avLst/>
@@ -4477,46 +4535,40 @@
             <a:noFill/>
           </a:ln>
         </p:spPr>
+      </p:pic>
+      <p:sp>
+        <p:nvSpPr>
+          <p:cNvPr id="2" name="Text Box 1"/>
+          <p:cNvSpPr txBox="1"/>
+          <p:nvPr/>
+        </p:nvSpPr>
+        <p:spPr>
+          <a:xfrm>
+            <a:off x="1758950" y="3199765"/>
+            <a:ext cx="3578860" cy="953135"/>
+          </a:xfrm>
+          <a:prstGeom prst="rect">
+            <a:avLst/>
+          </a:prstGeom>
+          <a:noFill/>
+          <a:ln w="9525">
+            <a:noFill/>
+          </a:ln>
+        </p:spPr>
         <p:txBody>
           <a:bodyPr wrap="square">
             <a:spAutoFit/>
           </a:bodyPr>
           <a:p>
-            <a:pPr indent="0"/>
-            <a:r>
-              <a:rPr lang="en-US" sz="5400" b="1">
-                <a:solidFill>
-                  <a:srgbClr val="E29038"/>
-                </a:solidFill>
+            <a:pPr marL="0" indent="0"/>
+            <a:r>
+              <a:rPr lang="" altLang="en-US" sz="2800" b="0">
                 <a:latin typeface="Calibri" charset="0"/>
                 <a:cs typeface="SimSun" charset="0"/>
               </a:rPr>
-              <a:t>Arithmetic </a:t>
-            </a:r>
-            <a:r>
-              <a:rPr lang="en-US" altLang="en-US" sz="5400" b="1">
-                <a:solidFill>
-                  <a:srgbClr val="00B050"/>
-                </a:solidFill>
-                <a:latin typeface="Calibri" charset="0"/>
-                <a:cs typeface="SimSun" charset="0"/>
-              </a:rPr>
-              <a:t>Logic </a:t>
-            </a:r>
-            <a:r>
-              <a:rPr lang="" altLang="en-US" sz="5400" b="1">
-                <a:solidFill>
-                  <a:srgbClr val="002060"/>
-                </a:solidFill>
-                <a:latin typeface="Calibri" charset="0"/>
-                <a:cs typeface="SimSun" charset="0"/>
-              </a:rPr>
-              <a:t>Unit</a:t>
-            </a:r>
-            <a:endParaRPr lang="" altLang="en-US" sz="5400" b="1">
-              <a:solidFill>
-                <a:srgbClr val="002060"/>
-              </a:solidFill>
+              <a:t>Press Ctrl+m to open a new slide</a:t>
+            </a:r>
+            <a:endParaRPr lang="" altLang="en-US" sz="2800" b="0">
               <a:latin typeface="Calibri" charset="0"/>
               <a:cs typeface="SimSun" charset="0"/>
             </a:endParaRPr>
@@ -4525,7 +4577,7 @@
       </p:sp>
       <p:pic>
         <p:nvPicPr>
-          <p:cNvPr id="8" name="Picture 6" descr="IMG_256"/>
+          <p:cNvPr id="10" name="Picture 4" descr="IMG_256"/>
           <p:cNvPicPr>
             <a:picLocks noChangeAspect="1"/>
           </p:cNvPicPr>
@@ -4539,8 +4591,8 @@
         </p:blipFill>
         <p:spPr>
           <a:xfrm>
-            <a:off x="331470" y="1851025"/>
-            <a:ext cx="6617970" cy="3827780"/>
+            <a:off x="5690870" y="1480185"/>
+            <a:ext cx="3200400" cy="4392930"/>
           </a:xfrm>
           <a:prstGeom prst="rect">
             <a:avLst/>
@@ -4551,45 +4603,6 @@
           </a:ln>
         </p:spPr>
       </p:pic>
-      <p:sp>
-        <p:nvSpPr>
-          <p:cNvPr id="2" name="Text Box 1"/>
-          <p:cNvSpPr txBox="1"/>
-          <p:nvPr/>
-        </p:nvSpPr>
-        <p:spPr>
-          <a:xfrm>
-            <a:off x="7689215" y="2837180"/>
-            <a:ext cx="3954780" cy="1568450"/>
-          </a:xfrm>
-          <a:prstGeom prst="rect">
-            <a:avLst/>
-          </a:prstGeom>
-          <a:noFill/>
-          <a:ln w="9525">
-            <a:noFill/>
-          </a:ln>
-        </p:spPr>
-        <p:txBody>
-          <a:bodyPr wrap="square">
-            <a:spAutoFit/>
-          </a:bodyPr>
-          <a:p>
-            <a:pPr marL="0" indent="0"/>
-            <a:r>
-              <a:rPr lang="en-US" sz="2400" b="0">
-                <a:latin typeface="Calibri" charset="0"/>
-                <a:cs typeface="SimSun" charset="0"/>
-              </a:rPr>
-              <a:t>It processes  arithmetic and logic operations that need to be done on instruction words</a:t>
-            </a:r>
-            <a:endParaRPr lang="en-US" sz="2400" b="0">
-              <a:latin typeface="Calibri" charset="0"/>
-              <a:cs typeface="SimSun" charset="0"/>
-            </a:endParaRPr>
-          </a:p>
-        </p:txBody>
-      </p:sp>
     </p:spTree>
   </p:cSld>
   <p:clrMapOvr>
@@ -4681,361 +4694,12 @@
         </p:blipFill>
         <p:spPr>
           <a:xfrm>
-            <a:off x="331470" y="381635"/>
-            <a:ext cx="1427480" cy="923925"/>
+            <a:off x="2190750" y="523875"/>
+            <a:ext cx="7810500" cy="5810250"/>
           </a:xfrm>
           <a:prstGeom prst="rect">
             <a:avLst/>
           </a:prstGeom>
-        </p:spPr>
-      </p:pic>
-      <p:sp>
-        <p:nvSpPr>
-          <p:cNvPr id="100" name="Text Box 99"/>
-          <p:cNvSpPr txBox="1"/>
-          <p:nvPr/>
-        </p:nvSpPr>
-        <p:spPr>
-          <a:xfrm>
-            <a:off x="1860550" y="381635"/>
-            <a:ext cx="10375265" cy="922020"/>
-          </a:xfrm>
-          <a:prstGeom prst="rect">
-            <a:avLst/>
-          </a:prstGeom>
-          <a:noFill/>
-          <a:ln w="9525">
-            <a:noFill/>
-          </a:ln>
-        </p:spPr>
-        <p:txBody>
-          <a:bodyPr wrap="square">
-            <a:spAutoFit/>
-          </a:bodyPr>
-          <a:p>
-            <a:pPr indent="0"/>
-            <a:r>
-              <a:rPr lang="en-US" sz="5400" b="1">
-                <a:solidFill>
-                  <a:srgbClr val="E29038"/>
-                </a:solidFill>
-                <a:latin typeface="Calibri" charset="0"/>
-                <a:cs typeface="SimSun" charset="0"/>
-              </a:rPr>
-              <a:t>Registers</a:t>
-            </a:r>
-            <a:endParaRPr lang="en-US" altLang="en-US" sz="5400" b="1">
-              <a:solidFill>
-                <a:srgbClr val="00B050"/>
-              </a:solidFill>
-              <a:latin typeface="Calibri" charset="0"/>
-              <a:cs typeface="SimSun" charset="0"/>
-            </a:endParaRPr>
-          </a:p>
-        </p:txBody>
-      </p:sp>
-      <p:sp>
-        <p:nvSpPr>
-          <p:cNvPr id="2" name="Text Box 1"/>
-          <p:cNvSpPr txBox="1"/>
-          <p:nvPr/>
-        </p:nvSpPr>
-        <p:spPr>
-          <a:xfrm>
-            <a:off x="7741285" y="2428240"/>
-            <a:ext cx="3824605" cy="1938020"/>
-          </a:xfrm>
-          <a:prstGeom prst="rect">
-            <a:avLst/>
-          </a:prstGeom>
-          <a:noFill/>
-          <a:ln w="9525">
-            <a:noFill/>
-          </a:ln>
-        </p:spPr>
-        <p:txBody>
-          <a:bodyPr wrap="square">
-            <a:spAutoFit/>
-          </a:bodyPr>
-          <a:p>
-            <a:pPr marL="0" indent="0"/>
-            <a:r>
-              <a:rPr lang="en-US" sz="2400" b="0">
-                <a:latin typeface="Calibri" charset="0"/>
-                <a:cs typeface="SimSun" charset="0"/>
-              </a:rPr>
-              <a:t>Register is a very fast computer memory, used to store data/instruction in-execution</a:t>
-            </a:r>
-            <a:endParaRPr lang="en-US" sz="2400" b="0">
-              <a:latin typeface="Calibri" charset="0"/>
-              <a:cs typeface="SimSun" charset="0"/>
-            </a:endParaRPr>
-          </a:p>
-        </p:txBody>
-      </p:sp>
-      <p:pic>
-        <p:nvPicPr>
-          <p:cNvPr id="7" name="Picture 6"/>
-          <p:cNvPicPr>
-            <a:picLocks noChangeAspect="1"/>
-          </p:cNvPicPr>
-          <p:nvPr/>
-        </p:nvPicPr>
-        <p:blipFill>
-          <a:blip r:embed="rId5">
-            <a:clrChange>
-              <a:clrFrom>
-                <a:srgbClr val="FFFFFF">
-                  <a:alpha val="100000"/>
-                </a:srgbClr>
-              </a:clrFrom>
-              <a:clrTo>
-                <a:srgbClr val="FFFFFF">
-                  <a:alpha val="100000"/>
-                  <a:alpha val="0"/>
-                </a:srgbClr>
-              </a:clrTo>
-            </a:clrChange>
-            <a:lum bright="-6000"/>
-          </a:blip>
-          <a:srcRect l="-2602" t="18553" r="-4274"/>
-          <a:stretch>
-            <a:fillRect/>
-          </a:stretch>
-        </p:blipFill>
-        <p:spPr>
-          <a:xfrm>
-            <a:off x="461010" y="1614805"/>
-            <a:ext cx="7031365" cy="4023360"/>
-          </a:xfrm>
-          <a:prstGeom prst="rect">
-            <a:avLst/>
-          </a:prstGeom>
-        </p:spPr>
-      </p:pic>
-    </p:spTree>
-  </p:cSld>
-  <p:clrMapOvr>
-    <a:masterClrMapping/>
-  </p:clrMapOvr>
-</p:sld>
-</file>
-
-<file path=ppt/slides/slide7.xml><?xml version="1.0" encoding="utf-8"?>
-<p:sld xmlns:a="http://schemas.openxmlformats.org/drawingml/2006/main" xmlns:r="http://schemas.openxmlformats.org/officeDocument/2006/relationships" xmlns:p="http://schemas.openxmlformats.org/presentationml/2006/main">
-  <p:cSld>
-    <p:bg>
-      <p:bgPr>
-        <a:blipFill rotWithShape="1">
-          <a:blip r:embed="rId1"/>
-          <a:tile tx="101600" ty="0" sx="100000" sy="100000" flip="x" algn="tr"/>
-        </a:blipFill>
-        <a:effectLst/>
-      </p:bgPr>
-    </p:bg>
-    <p:spTree>
-      <p:nvGrpSpPr>
-        <p:cNvPr id="1" name=""/>
-        <p:cNvGrpSpPr/>
-        <p:nvPr/>
-      </p:nvGrpSpPr>
-      <p:grpSpPr/>
-      <p:pic>
-        <p:nvPicPr>
-          <p:cNvPr id="5" name="Picture 4" descr="United TrusT Logo"/>
-          <p:cNvPicPr>
-            <a:picLocks noChangeAspect="1"/>
-          </p:cNvPicPr>
-          <p:nvPr/>
-        </p:nvPicPr>
-        <p:blipFill>
-          <a:blip r:embed="rId2"/>
-          <a:stretch>
-            <a:fillRect/>
-          </a:stretch>
-        </p:blipFill>
-        <p:spPr>
-          <a:xfrm>
-            <a:off x="108585" y="6128385"/>
-            <a:ext cx="1650365" cy="634365"/>
-          </a:xfrm>
-          <a:prstGeom prst="rect">
-            <a:avLst/>
-          </a:prstGeom>
-        </p:spPr>
-      </p:pic>
-      <p:pic>
-        <p:nvPicPr>
-          <p:cNvPr id="6" name="Picture 5" descr="bdedu_logo"/>
-          <p:cNvPicPr>
-            <a:picLocks noChangeAspect="1"/>
-          </p:cNvPicPr>
-          <p:nvPr/>
-        </p:nvPicPr>
-        <p:blipFill>
-          <a:blip r:embed="rId3"/>
-          <a:stretch>
-            <a:fillRect/>
-          </a:stretch>
-        </p:blipFill>
-        <p:spPr>
-          <a:xfrm>
-            <a:off x="9440545" y="6061710"/>
-            <a:ext cx="2693670" cy="701040"/>
-          </a:xfrm>
-          <a:prstGeom prst="rect">
-            <a:avLst/>
-          </a:prstGeom>
-        </p:spPr>
-      </p:pic>
-      <p:pic>
-        <p:nvPicPr>
-          <p:cNvPr id="3" name="Picture 2"/>
-          <p:cNvPicPr>
-            <a:picLocks noChangeAspect="1"/>
-          </p:cNvPicPr>
-          <p:nvPr/>
-        </p:nvPicPr>
-        <p:blipFill>
-          <a:blip r:embed="rId4"/>
-          <a:stretch>
-            <a:fillRect/>
-          </a:stretch>
-        </p:blipFill>
-        <p:spPr>
-          <a:xfrm>
-            <a:off x="331470" y="381635"/>
-            <a:ext cx="1427480" cy="923925"/>
-          </a:xfrm>
-          <a:prstGeom prst="rect">
-            <a:avLst/>
-          </a:prstGeom>
-        </p:spPr>
-      </p:pic>
-      <p:sp>
-        <p:nvSpPr>
-          <p:cNvPr id="100" name="Text Box 99"/>
-          <p:cNvSpPr txBox="1"/>
-          <p:nvPr/>
-        </p:nvSpPr>
-        <p:spPr>
-          <a:xfrm>
-            <a:off x="1860550" y="353695"/>
-            <a:ext cx="10375265" cy="922020"/>
-          </a:xfrm>
-          <a:prstGeom prst="rect">
-            <a:avLst/>
-          </a:prstGeom>
-          <a:noFill/>
-          <a:ln w="9525">
-            <a:noFill/>
-          </a:ln>
-        </p:spPr>
-        <p:txBody>
-          <a:bodyPr wrap="square">
-            <a:spAutoFit/>
-          </a:bodyPr>
-          <a:p>
-            <a:pPr indent="0"/>
-            <a:r>
-              <a:rPr lang="en-US" sz="5400" b="1">
-                <a:solidFill>
-                  <a:srgbClr val="E29038"/>
-                </a:solidFill>
-                <a:latin typeface="Calibri" charset="0"/>
-                <a:cs typeface="SimSun" charset="0"/>
-              </a:rPr>
-              <a:t>Motherboard</a:t>
-            </a:r>
-            <a:endParaRPr lang="en-US" sz="5400" b="1">
-              <a:solidFill>
-                <a:srgbClr val="E29038"/>
-              </a:solidFill>
-              <a:latin typeface="Calibri" charset="0"/>
-              <a:cs typeface="SimSun" charset="0"/>
-            </a:endParaRPr>
-          </a:p>
-        </p:txBody>
-      </p:sp>
-      <p:sp>
-        <p:nvSpPr>
-          <p:cNvPr id="2" name="Text Box 1"/>
-          <p:cNvSpPr txBox="1"/>
-          <p:nvPr/>
-        </p:nvSpPr>
-        <p:spPr>
-          <a:xfrm>
-            <a:off x="683895" y="3121025"/>
-            <a:ext cx="3824605" cy="1568450"/>
-          </a:xfrm>
-          <a:prstGeom prst="rect">
-            <a:avLst/>
-          </a:prstGeom>
-          <a:noFill/>
-          <a:ln w="9525">
-            <a:noFill/>
-          </a:ln>
-        </p:spPr>
-        <p:txBody>
-          <a:bodyPr wrap="square">
-            <a:spAutoFit/>
-          </a:bodyPr>
-          <a:p>
-            <a:pPr marL="0" indent="0"/>
-            <a:r>
-              <a:rPr lang="" altLang="en-US" sz="2400" b="0">
-                <a:latin typeface="Calibri" charset="0"/>
-                <a:cs typeface="SimSun" charset="0"/>
-              </a:rPr>
-              <a:t>It holds CPU, memory and all typess of connector for input and output devices</a:t>
-            </a:r>
-            <a:endParaRPr lang="" altLang="en-US" sz="2400" b="0">
-              <a:latin typeface="Calibri" charset="0"/>
-              <a:cs typeface="SimSun" charset="0"/>
-            </a:endParaRPr>
-          </a:p>
-        </p:txBody>
-      </p:sp>
-      <p:pic>
-        <p:nvPicPr>
-          <p:cNvPr id="12" name="Picture 5" descr="IMG_256"/>
-          <p:cNvPicPr>
-            <a:picLocks noChangeAspect="1"/>
-          </p:cNvPicPr>
-          <p:nvPr/>
-        </p:nvPicPr>
-        <p:blipFill>
-          <a:blip r:embed="rId5">
-            <a:clrChange>
-              <a:clrFrom>
-                <a:srgbClr val="FFFFFF">
-                  <a:alpha val="100000"/>
-                </a:srgbClr>
-              </a:clrFrom>
-              <a:clrTo>
-                <a:srgbClr val="FFFFFF">
-                  <a:alpha val="100000"/>
-                  <a:alpha val="0"/>
-                </a:srgbClr>
-              </a:clrTo>
-            </a:clrChange>
-          </a:blip>
-          <a:stretch>
-            <a:fillRect/>
-          </a:stretch>
-        </p:blipFill>
-        <p:spPr>
-          <a:xfrm>
-            <a:off x="4340860" y="1448435"/>
-            <a:ext cx="6892925" cy="4440555"/>
-          </a:xfrm>
-          <a:prstGeom prst="rect">
-            <a:avLst/>
-          </a:prstGeom>
-          <a:noFill/>
-          <a:ln w="9525">
-            <a:noFill/>
-          </a:ln>
         </p:spPr>
       </p:pic>
     </p:spTree>
